--- a/Prezentacie/3. Datove typy.pptx
+++ b/Prezentacie/3. Datove typy.pptx
@@ -5,7 +5,7 @@
     <p:sldMasterId id="2147483648" r:id="rId1"/>
   </p:sldMasterIdLst>
   <p:notesMasterIdLst>
-    <p:notesMasterId r:id="rId18"/>
+    <p:notesMasterId r:id="rId17"/>
   </p:notesMasterIdLst>
   <p:sldIdLst>
     <p:sldId id="256" r:id="rId2"/>
@@ -15,15 +15,14 @@
     <p:sldId id="277" r:id="rId6"/>
     <p:sldId id="278" r:id="rId7"/>
     <p:sldId id="259" r:id="rId8"/>
-    <p:sldId id="279" r:id="rId9"/>
-    <p:sldId id="280" r:id="rId10"/>
-    <p:sldId id="274" r:id="rId11"/>
-    <p:sldId id="281" r:id="rId12"/>
-    <p:sldId id="282" r:id="rId13"/>
-    <p:sldId id="283" r:id="rId14"/>
-    <p:sldId id="284" r:id="rId15"/>
-    <p:sldId id="285" r:id="rId16"/>
-    <p:sldId id="266" r:id="rId17"/>
+    <p:sldId id="280" r:id="rId9"/>
+    <p:sldId id="274" r:id="rId10"/>
+    <p:sldId id="281" r:id="rId11"/>
+    <p:sldId id="282" r:id="rId12"/>
+    <p:sldId id="283" r:id="rId13"/>
+    <p:sldId id="284" r:id="rId14"/>
+    <p:sldId id="285" r:id="rId15"/>
+    <p:sldId id="266" r:id="rId16"/>
   </p:sldIdLst>
   <p:sldSz cx="12192000" cy="6858000"/>
   <p:notesSz cx="6858000" cy="9144000"/>
@@ -212,7 +211,7 @@
           <a:p>
             <a:fld id="{4F3E452C-F731-4C85-88B7-BBC1ACAE70C5}" type="datetimeFigureOut">
               <a:rPr lang="en-US" smtClean="0"/>
-              <a:t>5/13/2024</a:t>
+              <a:t>5/14/2024</a:t>
             </a:fld>
             <a:endParaRPr lang="en-US"/>
           </a:p>
@@ -626,7 +625,7 @@
           <a:p>
             <a:fld id="{EC17FE95-4F72-4520-AAF4-75DCECB93ABF}" type="datetime1">
               <a:rPr lang="en-US" smtClean="0"/>
-              <a:t>5/13/2024</a:t>
+              <a:t>5/14/2024</a:t>
             </a:fld>
             <a:endParaRPr lang="en-US"/>
           </a:p>
@@ -827,7 +826,7 @@
           <a:p>
             <a:fld id="{0ABA81E9-9B93-4D4C-AAF2-A686C8295DBE}" type="datetime1">
               <a:rPr lang="en-US" smtClean="0"/>
-              <a:t>5/13/2024</a:t>
+              <a:t>5/14/2024</a:t>
             </a:fld>
             <a:endParaRPr lang="en-US"/>
           </a:p>
@@ -1038,7 +1037,7 @@
           <a:p>
             <a:fld id="{E8977267-B017-4254-A652-29F91600718E}" type="datetime1">
               <a:rPr lang="en-US" smtClean="0"/>
-              <a:t>5/13/2024</a:t>
+              <a:t>5/14/2024</a:t>
             </a:fld>
             <a:endParaRPr lang="en-US"/>
           </a:p>
@@ -1239,7 +1238,7 @@
           <a:p>
             <a:fld id="{1FCF7CDC-7E40-45C6-A567-3562EFF15B71}" type="datetime1">
               <a:rPr lang="en-US" smtClean="0"/>
-              <a:t>5/13/2024</a:t>
+              <a:t>5/14/2024</a:t>
             </a:fld>
             <a:endParaRPr lang="en-US"/>
           </a:p>
@@ -1517,7 +1516,7 @@
           <a:p>
             <a:fld id="{A77D1DEC-F3A0-4F7E-A570-268B915C4702}" type="datetime1">
               <a:rPr lang="en-US" smtClean="0"/>
-              <a:t>5/13/2024</a:t>
+              <a:t>5/14/2024</a:t>
             </a:fld>
             <a:endParaRPr lang="en-US"/>
           </a:p>
@@ -1785,7 +1784,7 @@
           <a:p>
             <a:fld id="{6E9B63B1-F588-41DC-95A0-EE3C2279EF22}" type="datetime1">
               <a:rPr lang="en-US" smtClean="0"/>
-              <a:t>5/13/2024</a:t>
+              <a:t>5/14/2024</a:t>
             </a:fld>
             <a:endParaRPr lang="en-US"/>
           </a:p>
@@ -2200,7 +2199,7 @@
           <a:p>
             <a:fld id="{76AC00E9-6534-425F-8D57-DDD71224AF17}" type="datetime1">
               <a:rPr lang="en-US" smtClean="0"/>
-              <a:t>5/13/2024</a:t>
+              <a:t>5/14/2024</a:t>
             </a:fld>
             <a:endParaRPr lang="en-US"/>
           </a:p>
@@ -2344,7 +2343,7 @@
           <a:p>
             <a:fld id="{4D0D7E70-8314-450F-B4FF-A9356CD47923}" type="datetime1">
               <a:rPr lang="en-US" smtClean="0"/>
-              <a:t>5/13/2024</a:t>
+              <a:t>5/14/2024</a:t>
             </a:fld>
             <a:endParaRPr lang="en-US"/>
           </a:p>
@@ -2460,7 +2459,7 @@
           <a:p>
             <a:fld id="{2EDB3013-8CDD-4BA4-9D76-3F6B1BA2026A}" type="datetime1">
               <a:rPr lang="en-US" smtClean="0"/>
-              <a:t>5/13/2024</a:t>
+              <a:t>5/14/2024</a:t>
             </a:fld>
             <a:endParaRPr lang="en-US"/>
           </a:p>
@@ -2774,7 +2773,7 @@
           <a:p>
             <a:fld id="{59AB704E-B6D2-4B93-98E8-74E752BF1CFA}" type="datetime1">
               <a:rPr lang="en-US" smtClean="0"/>
-              <a:t>5/13/2024</a:t>
+              <a:t>5/14/2024</a:t>
             </a:fld>
             <a:endParaRPr lang="en-US"/>
           </a:p>
@@ -3065,7 +3064,7 @@
           <a:p>
             <a:fld id="{EB01C3E3-58AF-4BFF-9A73-9D1AC35ADBEE}" type="datetime1">
               <a:rPr lang="en-US" smtClean="0"/>
-              <a:t>5/13/2024</a:t>
+              <a:t>5/14/2024</a:t>
             </a:fld>
             <a:endParaRPr lang="en-US"/>
           </a:p>
@@ -3309,7 +3308,7 @@
           <a:p>
             <a:fld id="{57891AE5-11AC-4DD7-B964-C55E5A86F184}" type="datetime1">
               <a:rPr lang="en-US" smtClean="0"/>
-              <a:t>5/13/2024</a:t>
+              <a:t>5/14/2024</a:t>
             </a:fld>
             <a:endParaRPr lang="en-US"/>
           </a:p>
@@ -3840,176 +3839,6 @@
     <p:bg>
       <p:bgPr>
         <a:solidFill>
-          <a:schemeClr val="accent6">
-            <a:lumMod val="40000"/>
-            <a:lumOff val="60000"/>
-          </a:schemeClr>
-        </a:solidFill>
-        <a:effectLst/>
-      </p:bgPr>
-    </p:bg>
-    <p:spTree>
-      <p:nvGrpSpPr>
-        <p:cNvPr id="1" name=""/>
-        <p:cNvGrpSpPr/>
-        <p:nvPr/>
-      </p:nvGrpSpPr>
-      <p:grpSpPr>
-        <a:xfrm>
-          <a:off x="0" y="0"/>
-          <a:ext cx="0" cy="0"/>
-          <a:chOff x="0" y="0"/>
-          <a:chExt cx="0" cy="0"/>
-        </a:xfrm>
-      </p:grpSpPr>
-      <p:sp>
-        <p:nvSpPr>
-          <p:cNvPr id="2" name="Title 1">
-            <a:extLst>
-              <a:ext uri="{FF2B5EF4-FFF2-40B4-BE49-F238E27FC236}">
-                <a16:creationId xmlns:a16="http://schemas.microsoft.com/office/drawing/2014/main" id="{C5EF2B75-DD79-F125-CF39-C15DF5CA6E11}"/>
-              </a:ext>
-            </a:extLst>
-          </p:cNvPr>
-          <p:cNvSpPr>
-            <a:spLocks noGrp="1"/>
-          </p:cNvSpPr>
-          <p:nvPr>
-            <p:ph type="title"/>
-          </p:nvPr>
-        </p:nvSpPr>
-        <p:spPr>
-          <a:xfrm>
-            <a:off x="838200" y="2766218"/>
-            <a:ext cx="10515600" cy="1325563"/>
-          </a:xfrm>
-        </p:spPr>
-        <p:txBody>
-          <a:bodyPr>
-            <a:normAutofit/>
-          </a:bodyPr>
-          <a:lstStyle/>
-          <a:p>
-            <a:pPr algn="ctr"/>
-            <a:r>
-              <a:rPr lang="sk-SK" sz="5400" b="1" dirty="0">
-                <a:ln w="22225">
-                  <a:solidFill>
-                    <a:schemeClr val="accent6">
-                      <a:lumMod val="75000"/>
-                    </a:schemeClr>
-                  </a:solidFill>
-                  <a:prstDash val="solid"/>
-                </a:ln>
-                <a:solidFill>
-                  <a:schemeClr val="accent6">
-                    <a:lumMod val="60000"/>
-                    <a:lumOff val="40000"/>
-                  </a:schemeClr>
-                </a:solidFill>
-              </a:rPr>
-              <a:t>Úlohy na precvičenie</a:t>
-            </a:r>
-            <a:endParaRPr lang="en-US" sz="5400" b="1" dirty="0">
-              <a:ln w="22225">
-                <a:solidFill>
-                  <a:schemeClr val="accent6">
-                    <a:lumMod val="75000"/>
-                  </a:schemeClr>
-                </a:solidFill>
-                <a:prstDash val="solid"/>
-              </a:ln>
-              <a:solidFill>
-                <a:schemeClr val="accent6">
-                  <a:lumMod val="60000"/>
-                  <a:lumOff val="40000"/>
-                </a:schemeClr>
-              </a:solidFill>
-            </a:endParaRPr>
-          </a:p>
-        </p:txBody>
-      </p:sp>
-      <p:sp>
-        <p:nvSpPr>
-          <p:cNvPr id="3" name="Footer Placeholder 2">
-            <a:extLst>
-              <a:ext uri="{FF2B5EF4-FFF2-40B4-BE49-F238E27FC236}">
-                <a16:creationId xmlns:a16="http://schemas.microsoft.com/office/drawing/2014/main" id="{89AC86AB-3608-0C2F-D6CD-5F9C03EFCDC1}"/>
-              </a:ext>
-            </a:extLst>
-          </p:cNvPr>
-          <p:cNvSpPr>
-            <a:spLocks noGrp="1"/>
-          </p:cNvSpPr>
-          <p:nvPr>
-            <p:ph type="ftr" sz="quarter" idx="11"/>
-          </p:nvPr>
-        </p:nvSpPr>
-        <p:spPr/>
-        <p:txBody>
-          <a:bodyPr/>
-          <a:lstStyle/>
-          <a:p>
-            <a:r>
-              <a:rPr lang="en-US" sz="1600"/>
-              <a:t>Jupyter Notebook - Dátové typy</a:t>
-            </a:r>
-            <a:endParaRPr lang="en-US" sz="1600" dirty="0"/>
-          </a:p>
-        </p:txBody>
-      </p:sp>
-      <p:sp>
-        <p:nvSpPr>
-          <p:cNvPr id="4" name="Slide Number Placeholder 3">
-            <a:extLst>
-              <a:ext uri="{FF2B5EF4-FFF2-40B4-BE49-F238E27FC236}">
-                <a16:creationId xmlns:a16="http://schemas.microsoft.com/office/drawing/2014/main" id="{4570FD4C-DC5B-15D2-6108-A6822A3EF7C3}"/>
-              </a:ext>
-            </a:extLst>
-          </p:cNvPr>
-          <p:cNvSpPr>
-            <a:spLocks noGrp="1"/>
-          </p:cNvSpPr>
-          <p:nvPr>
-            <p:ph type="sldNum" sz="quarter" idx="12"/>
-          </p:nvPr>
-        </p:nvSpPr>
-        <p:spPr/>
-        <p:txBody>
-          <a:bodyPr/>
-          <a:lstStyle/>
-          <a:p>
-            <a:fld id="{5057A19F-963B-4719-A2DE-D734F2967F92}" type="slidenum">
-              <a:rPr lang="en-US" sz="1600" smtClean="0"/>
-              <a:t>10</a:t>
-            </a:fld>
-            <a:r>
-              <a:rPr lang="sk-SK" sz="1600" dirty="0"/>
-              <a:t> /16</a:t>
-            </a:r>
-            <a:endParaRPr lang="en-US" sz="1600" dirty="0"/>
-          </a:p>
-        </p:txBody>
-      </p:sp>
-    </p:spTree>
-    <p:extLst>
-      <p:ext uri="{BB962C8B-B14F-4D97-AF65-F5344CB8AC3E}">
-        <p14:creationId xmlns:p14="http://schemas.microsoft.com/office/powerpoint/2010/main" val="4123992563"/>
-      </p:ext>
-    </p:extLst>
-  </p:cSld>
-  <p:clrMapOvr>
-    <a:masterClrMapping/>
-  </p:clrMapOvr>
-</p:sld>
-</file>
-
-<file path=ppt/slides/slide11.xml><?xml version="1.0" encoding="utf-8"?>
-<p:sld xmlns:a="http://schemas.openxmlformats.org/drawingml/2006/main" xmlns:r="http://schemas.openxmlformats.org/officeDocument/2006/relationships" xmlns:p="http://schemas.openxmlformats.org/presentationml/2006/main">
-  <p:cSld>
-    <p:bg>
-      <p:bgPr>
-        <a:solidFill>
           <a:srgbClr val="A1E6ED"/>
         </a:solidFill>
         <a:effectLst/>
@@ -4186,7 +4015,7 @@
                   <a:srgbClr val="0070C0"/>
                 </a:solidFill>
               </a:rPr>
-              <a:t>keď pretypujeme hodnotu, dáme ju do okrúhlych zátovriek a pred zátvorkou napíšeme dátový typ, do ktorého pretypujeme</a:t>
+              <a:t>keď pretypujeme hodnotu, dáme ju do okrúhlych zátvoriek a pred zátvorkou napíšeme dátový typ, do ktorého pretypujeme</a:t>
             </a:r>
             <a:endParaRPr lang="sk-SK" b="1" dirty="0">
               <a:solidFill>
@@ -4248,11 +4077,11 @@
           <a:p>
             <a:fld id="{5057A19F-963B-4719-A2DE-D734F2967F92}" type="slidenum">
               <a:rPr lang="en-US" sz="1600" smtClean="0"/>
-              <a:t>11</a:t>
+              <a:t>10</a:t>
             </a:fld>
             <a:r>
               <a:rPr lang="sk-SK" sz="1600" dirty="0"/>
-              <a:t> /16</a:t>
+              <a:t> / 15</a:t>
             </a:r>
             <a:endParaRPr lang="en-US" sz="1600" dirty="0"/>
           </a:p>
@@ -4271,7 +4100,7 @@
 </p:sld>
 </file>
 
-<file path=ppt/slides/slide12.xml><?xml version="1.0" encoding="utf-8"?>
+<file path=ppt/slides/slide11.xml><?xml version="1.0" encoding="utf-8"?>
 <p:sld xmlns:a="http://schemas.openxmlformats.org/drawingml/2006/main" xmlns:r="http://schemas.openxmlformats.org/officeDocument/2006/relationships" xmlns:p="http://schemas.openxmlformats.org/presentationml/2006/main">
   <p:cSld>
     <p:bg>
@@ -4337,7 +4166,7 @@
                   </a:schemeClr>
                 </a:solidFill>
               </a:rPr>
-              <a:t>Vysvetlenie pojmov – Dátové typy</a:t>
+              <a:t>Príklady – Dátové typy</a:t>
             </a:r>
             <a:endParaRPr lang="en-US" sz="5400" b="1" dirty="0">
               <a:ln w="22225">
@@ -4534,11 +4363,11 @@
           <a:p>
             <a:fld id="{5057A19F-963B-4719-A2DE-D734F2967F92}" type="slidenum">
               <a:rPr lang="en-US" sz="1600" smtClean="0"/>
-              <a:t>12</a:t>
+              <a:t>11</a:t>
             </a:fld>
             <a:r>
               <a:rPr lang="sk-SK" sz="1600" dirty="0"/>
-              <a:t> /16</a:t>
+              <a:t> / 15</a:t>
             </a:r>
             <a:endParaRPr lang="en-US" sz="1600" dirty="0"/>
           </a:p>
@@ -4837,7 +4666,7 @@
 </p:sld>
 </file>
 
-<file path=ppt/slides/slide13.xml><?xml version="1.0" encoding="utf-8"?>
+<file path=ppt/slides/slide12.xml><?xml version="1.0" encoding="utf-8"?>
 <p:sld xmlns:a="http://schemas.openxmlformats.org/drawingml/2006/main" xmlns:r="http://schemas.openxmlformats.org/officeDocument/2006/relationships" xmlns:p="http://schemas.openxmlformats.org/presentationml/2006/main">
   <p:cSld>
     <p:bg>
@@ -4984,11 +4813,11 @@
           <a:p>
             <a:fld id="{5057A19F-963B-4719-A2DE-D734F2967F92}" type="slidenum">
               <a:rPr lang="en-US" sz="1600" smtClean="0"/>
-              <a:t>13</a:t>
+              <a:t>12</a:t>
             </a:fld>
             <a:r>
               <a:rPr lang="sk-SK" sz="1600" dirty="0"/>
-              <a:t> /16</a:t>
+              <a:t> / 15</a:t>
             </a:r>
             <a:endParaRPr lang="en-US" sz="1600" dirty="0"/>
           </a:p>
@@ -5007,7 +4836,7 @@
 </p:sld>
 </file>
 
-<file path=ppt/slides/slide14.xml><?xml version="1.0" encoding="utf-8"?>
+<file path=ppt/slides/slide13.xml><?xml version="1.0" encoding="utf-8"?>
 <p:sld xmlns:a="http://schemas.openxmlformats.org/drawingml/2006/main" xmlns:r="http://schemas.openxmlformats.org/officeDocument/2006/relationships" xmlns:p="http://schemas.openxmlformats.org/presentationml/2006/main">
   <p:cSld>
     <p:bg>
@@ -5300,11 +5129,11 @@
           <a:p>
             <a:fld id="{5057A19F-963B-4719-A2DE-D734F2967F92}" type="slidenum">
               <a:rPr lang="en-US" sz="1600" smtClean="0"/>
-              <a:t>14</a:t>
+              <a:t>13</a:t>
             </a:fld>
             <a:r>
               <a:rPr lang="sk-SK" sz="1600" dirty="0"/>
-              <a:t> /16</a:t>
+              <a:t> / 15</a:t>
             </a:r>
             <a:endParaRPr lang="en-US" sz="1600" dirty="0"/>
           </a:p>
@@ -5649,7 +5478,7 @@
 </p:sld>
 </file>
 
-<file path=ppt/slides/slide15.xml><?xml version="1.0" encoding="utf-8"?>
+<file path=ppt/slides/slide14.xml><?xml version="1.0" encoding="utf-8"?>
 <p:sld xmlns:a="http://schemas.openxmlformats.org/drawingml/2006/main" xmlns:r="http://schemas.openxmlformats.org/officeDocument/2006/relationships" xmlns:p="http://schemas.openxmlformats.org/presentationml/2006/main">
   <p:cSld>
     <p:bg>
@@ -5796,11 +5625,11 @@
           <a:p>
             <a:fld id="{5057A19F-963B-4719-A2DE-D734F2967F92}" type="slidenum">
               <a:rPr lang="en-US" sz="1600" smtClean="0"/>
-              <a:t>15</a:t>
+              <a:t>14</a:t>
             </a:fld>
             <a:r>
               <a:rPr lang="sk-SK" sz="1600" dirty="0"/>
-              <a:t> /16</a:t>
+              <a:t> / 15</a:t>
             </a:r>
             <a:endParaRPr lang="en-US" sz="1600" dirty="0"/>
           </a:p>
@@ -5819,7 +5648,7 @@
 </p:sld>
 </file>
 
-<file path=ppt/slides/slide16.xml><?xml version="1.0" encoding="utf-8"?>
+<file path=ppt/slides/slide15.xml><?xml version="1.0" encoding="utf-8"?>
 <p:sld xmlns:a="http://schemas.openxmlformats.org/drawingml/2006/main" xmlns:r="http://schemas.openxmlformats.org/officeDocument/2006/relationships" xmlns:p="http://schemas.openxmlformats.org/presentationml/2006/main">
   <p:cSld>
     <p:bg>
@@ -5966,11 +5795,11 @@
           <a:p>
             <a:fld id="{5057A19F-963B-4719-A2DE-D734F2967F92}" type="slidenum">
               <a:rPr lang="en-US" sz="1600" smtClean="0"/>
-              <a:t>16</a:t>
+              <a:t>15</a:t>
             </a:fld>
             <a:r>
               <a:rPr lang="sk-SK" sz="1600" dirty="0"/>
-              <a:t> /16</a:t>
+              <a:t> / 15</a:t>
             </a:r>
           </a:p>
         </p:txBody>
@@ -6094,7 +5923,7 @@
         <p:spPr>
           <a:xfrm>
             <a:off x="838200" y="1940560"/>
-            <a:ext cx="10515600" cy="4084320"/>
+            <a:ext cx="10515600" cy="589280"/>
           </a:xfrm>
           <a:solidFill>
             <a:srgbClr val="A1E6ED"/>
@@ -6137,7 +5966,7 @@
         </p:style>
         <p:txBody>
           <a:bodyPr>
-            <a:normAutofit fontScale="92500" lnSpcReduction="10000"/>
+            <a:normAutofit/>
           </a:bodyPr>
           <a:lstStyle/>
           <a:p>
@@ -6161,6 +5990,301 @@
               </a:solidFill>
             </a:endParaRPr>
           </a:p>
+        </p:txBody>
+      </p:sp>
+      <p:sp>
+        <p:nvSpPr>
+          <p:cNvPr id="4" name="Footer Placeholder 3">
+            <a:extLst>
+              <a:ext uri="{FF2B5EF4-FFF2-40B4-BE49-F238E27FC236}">
+                <a16:creationId xmlns:a16="http://schemas.microsoft.com/office/drawing/2014/main" id="{0F52C26F-25A8-28BB-1534-92999531C9BC}"/>
+              </a:ext>
+            </a:extLst>
+          </p:cNvPr>
+          <p:cNvSpPr>
+            <a:spLocks noGrp="1"/>
+          </p:cNvSpPr>
+          <p:nvPr>
+            <p:ph type="ftr" sz="quarter" idx="11"/>
+          </p:nvPr>
+        </p:nvSpPr>
+        <p:spPr/>
+        <p:txBody>
+          <a:bodyPr/>
+          <a:lstStyle/>
+          <a:p>
+            <a:r>
+              <a:rPr lang="en-US" sz="1600"/>
+              <a:t>Jupyter Notebook - Dátové typy</a:t>
+            </a:r>
+            <a:endParaRPr lang="en-US" sz="1600" dirty="0"/>
+          </a:p>
+        </p:txBody>
+      </p:sp>
+      <p:sp>
+        <p:nvSpPr>
+          <p:cNvPr id="5" name="Slide Number Placeholder 4">
+            <a:extLst>
+              <a:ext uri="{FF2B5EF4-FFF2-40B4-BE49-F238E27FC236}">
+                <a16:creationId xmlns:a16="http://schemas.microsoft.com/office/drawing/2014/main" id="{41DB6C08-99BC-B966-576A-6A411462D97F}"/>
+              </a:ext>
+            </a:extLst>
+          </p:cNvPr>
+          <p:cNvSpPr>
+            <a:spLocks noGrp="1"/>
+          </p:cNvSpPr>
+          <p:nvPr>
+            <p:ph type="sldNum" sz="quarter" idx="12"/>
+          </p:nvPr>
+        </p:nvSpPr>
+        <p:spPr/>
+        <p:txBody>
+          <a:bodyPr/>
+          <a:lstStyle/>
+          <a:p>
+            <a:fld id="{5057A19F-963B-4719-A2DE-D734F2967F92}" type="slidenum">
+              <a:rPr lang="en-US" sz="1600" smtClean="0"/>
+              <a:t>2</a:t>
+            </a:fld>
+            <a:r>
+              <a:rPr lang="sk-SK" sz="1600" dirty="0"/>
+              <a:t> / 15</a:t>
+            </a:r>
+            <a:endParaRPr lang="en-US" sz="1600" dirty="0"/>
+          </a:p>
+        </p:txBody>
+      </p:sp>
+      <p:sp>
+        <p:nvSpPr>
+          <p:cNvPr id="6" name="Content Placeholder 2">
+            <a:extLst>
+              <a:ext uri="{FF2B5EF4-FFF2-40B4-BE49-F238E27FC236}">
+                <a16:creationId xmlns:a16="http://schemas.microsoft.com/office/drawing/2014/main" id="{F07FE6D1-5DC3-BB42-C590-94B784CC1969}"/>
+              </a:ext>
+            </a:extLst>
+          </p:cNvPr>
+          <p:cNvSpPr txBox="1">
+            <a:spLocks/>
+          </p:cNvSpPr>
+          <p:nvPr/>
+        </p:nvSpPr>
+        <p:spPr>
+          <a:xfrm>
+            <a:off x="838200" y="2902902"/>
+            <a:ext cx="10515600" cy="3193097"/>
+          </a:xfrm>
+          <a:prstGeom prst="rect">
+            <a:avLst/>
+          </a:prstGeom>
+          <a:solidFill>
+            <a:srgbClr val="A1E6ED"/>
+          </a:solidFill>
+          <a:ln w="12700" cap="flat" cmpd="sng" algn="ctr">
+            <a:noFill/>
+            <a:prstDash val="solid"/>
+            <a:miter lim="800000"/>
+          </a:ln>
+          <a:effectLst>
+            <a:outerShdw blurRad="57785" dist="33020" dir="3180000" algn="ctr">
+              <a:srgbClr val="000000">
+                <a:alpha val="30000"/>
+              </a:srgbClr>
+            </a:outerShdw>
+          </a:effectLst>
+          <a:scene3d>
+            <a:camera prst="orthographicFront">
+              <a:rot lat="0" lon="0" rev="0"/>
+            </a:camera>
+            <a:lightRig rig="brightRoom" dir="t">
+              <a:rot lat="0" lon="0" rev="600000"/>
+            </a:lightRig>
+          </a:scene3d>
+          <a:sp3d prstMaterial="metal">
+            <a:bevelT w="38100" h="57150" prst="angle"/>
+          </a:sp3d>
+        </p:spPr>
+        <p:style>
+          <a:lnRef idx="2">
+            <a:schemeClr val="dk1"/>
+          </a:lnRef>
+          <a:fillRef idx="1">
+            <a:schemeClr val="lt1"/>
+          </a:fillRef>
+          <a:effectRef idx="0">
+            <a:schemeClr val="dk1"/>
+          </a:effectRef>
+          <a:fontRef idx="minor">
+            <a:schemeClr val="dk1"/>
+          </a:fontRef>
+        </p:style>
+        <p:txBody>
+          <a:bodyPr vert="horz" lIns="91440" tIns="45720" rIns="91440" bIns="45720" rtlCol="0">
+            <a:normAutofit fontScale="92500" lnSpcReduction="10000"/>
+          </a:bodyPr>
+          <a:lstStyle>
+            <a:lvl1pPr marL="228600" indent="-228600" algn="l" defTabSz="914400" rtl="0" eaLnBrk="1" latinLnBrk="0" hangingPunct="1">
+              <a:lnSpc>
+                <a:spcPct val="90000"/>
+              </a:lnSpc>
+              <a:spcBef>
+                <a:spcPts val="1000"/>
+              </a:spcBef>
+              <a:buFont typeface="Arial" panose="020B0604020202020204" pitchFamily="34" charset="0"/>
+              <a:buChar char="•"/>
+              <a:defRPr sz="2800" kern="1200">
+                <a:solidFill>
+                  <a:schemeClr val="dk1"/>
+                </a:solidFill>
+                <a:latin typeface="+mn-lt"/>
+                <a:ea typeface="+mn-ea"/>
+                <a:cs typeface="+mn-cs"/>
+              </a:defRPr>
+            </a:lvl1pPr>
+            <a:lvl2pPr marL="685800" indent="-228600" algn="l" defTabSz="914400" rtl="0" eaLnBrk="1" latinLnBrk="0" hangingPunct="1">
+              <a:lnSpc>
+                <a:spcPct val="90000"/>
+              </a:lnSpc>
+              <a:spcBef>
+                <a:spcPts val="500"/>
+              </a:spcBef>
+              <a:buFont typeface="Arial" panose="020B0604020202020204" pitchFamily="34" charset="0"/>
+              <a:buChar char="•"/>
+              <a:defRPr sz="2400" kern="1200">
+                <a:solidFill>
+                  <a:schemeClr val="dk1"/>
+                </a:solidFill>
+                <a:latin typeface="+mn-lt"/>
+                <a:ea typeface="+mn-ea"/>
+                <a:cs typeface="+mn-cs"/>
+              </a:defRPr>
+            </a:lvl2pPr>
+            <a:lvl3pPr marL="1143000" indent="-228600" algn="l" defTabSz="914400" rtl="0" eaLnBrk="1" latinLnBrk="0" hangingPunct="1">
+              <a:lnSpc>
+                <a:spcPct val="90000"/>
+              </a:lnSpc>
+              <a:spcBef>
+                <a:spcPts val="500"/>
+              </a:spcBef>
+              <a:buFont typeface="Arial" panose="020B0604020202020204" pitchFamily="34" charset="0"/>
+              <a:buChar char="•"/>
+              <a:defRPr sz="2000" kern="1200">
+                <a:solidFill>
+                  <a:schemeClr val="dk1"/>
+                </a:solidFill>
+                <a:latin typeface="+mn-lt"/>
+                <a:ea typeface="+mn-ea"/>
+                <a:cs typeface="+mn-cs"/>
+              </a:defRPr>
+            </a:lvl3pPr>
+            <a:lvl4pPr marL="1600200" indent="-228600" algn="l" defTabSz="914400" rtl="0" eaLnBrk="1" latinLnBrk="0" hangingPunct="1">
+              <a:lnSpc>
+                <a:spcPct val="90000"/>
+              </a:lnSpc>
+              <a:spcBef>
+                <a:spcPts val="500"/>
+              </a:spcBef>
+              <a:buFont typeface="Arial" panose="020B0604020202020204" pitchFamily="34" charset="0"/>
+              <a:buChar char="•"/>
+              <a:defRPr sz="1800" kern="1200">
+                <a:solidFill>
+                  <a:schemeClr val="dk1"/>
+                </a:solidFill>
+                <a:latin typeface="+mn-lt"/>
+                <a:ea typeface="+mn-ea"/>
+                <a:cs typeface="+mn-cs"/>
+              </a:defRPr>
+            </a:lvl4pPr>
+            <a:lvl5pPr marL="2057400" indent="-228600" algn="l" defTabSz="914400" rtl="0" eaLnBrk="1" latinLnBrk="0" hangingPunct="1">
+              <a:lnSpc>
+                <a:spcPct val="90000"/>
+              </a:lnSpc>
+              <a:spcBef>
+                <a:spcPts val="500"/>
+              </a:spcBef>
+              <a:buFont typeface="Arial" panose="020B0604020202020204" pitchFamily="34" charset="0"/>
+              <a:buChar char="•"/>
+              <a:defRPr sz="1800" kern="1200">
+                <a:solidFill>
+                  <a:schemeClr val="dk1"/>
+                </a:solidFill>
+                <a:latin typeface="+mn-lt"/>
+                <a:ea typeface="+mn-ea"/>
+                <a:cs typeface="+mn-cs"/>
+              </a:defRPr>
+            </a:lvl5pPr>
+            <a:lvl6pPr marL="2514600" indent="-228600" algn="l" defTabSz="914400" rtl="0" eaLnBrk="1" latinLnBrk="0" hangingPunct="1">
+              <a:lnSpc>
+                <a:spcPct val="90000"/>
+              </a:lnSpc>
+              <a:spcBef>
+                <a:spcPts val="500"/>
+              </a:spcBef>
+              <a:buFont typeface="Arial" panose="020B0604020202020204" pitchFamily="34" charset="0"/>
+              <a:buChar char="•"/>
+              <a:defRPr sz="1800" kern="1200">
+                <a:solidFill>
+                  <a:schemeClr val="dk1"/>
+                </a:solidFill>
+                <a:latin typeface="+mn-lt"/>
+                <a:ea typeface="+mn-ea"/>
+                <a:cs typeface="+mn-cs"/>
+              </a:defRPr>
+            </a:lvl6pPr>
+            <a:lvl7pPr marL="2971800" indent="-228600" algn="l" defTabSz="914400" rtl="0" eaLnBrk="1" latinLnBrk="0" hangingPunct="1">
+              <a:lnSpc>
+                <a:spcPct val="90000"/>
+              </a:lnSpc>
+              <a:spcBef>
+                <a:spcPts val="500"/>
+              </a:spcBef>
+              <a:buFont typeface="Arial" panose="020B0604020202020204" pitchFamily="34" charset="0"/>
+              <a:buChar char="•"/>
+              <a:defRPr sz="1800" kern="1200">
+                <a:solidFill>
+                  <a:schemeClr val="dk1"/>
+                </a:solidFill>
+                <a:latin typeface="+mn-lt"/>
+                <a:ea typeface="+mn-ea"/>
+                <a:cs typeface="+mn-cs"/>
+              </a:defRPr>
+            </a:lvl7pPr>
+            <a:lvl8pPr marL="3429000" indent="-228600" algn="l" defTabSz="914400" rtl="0" eaLnBrk="1" latinLnBrk="0" hangingPunct="1">
+              <a:lnSpc>
+                <a:spcPct val="90000"/>
+              </a:lnSpc>
+              <a:spcBef>
+                <a:spcPts val="500"/>
+              </a:spcBef>
+              <a:buFont typeface="Arial" panose="020B0604020202020204" pitchFamily="34" charset="0"/>
+              <a:buChar char="•"/>
+              <a:defRPr sz="1800" kern="1200">
+                <a:solidFill>
+                  <a:schemeClr val="dk1"/>
+                </a:solidFill>
+                <a:latin typeface="+mn-lt"/>
+                <a:ea typeface="+mn-ea"/>
+                <a:cs typeface="+mn-cs"/>
+              </a:defRPr>
+            </a:lvl8pPr>
+            <a:lvl9pPr marL="3886200" indent="-228600" algn="l" defTabSz="914400" rtl="0" eaLnBrk="1" latinLnBrk="0" hangingPunct="1">
+              <a:lnSpc>
+                <a:spcPct val="90000"/>
+              </a:lnSpc>
+              <a:spcBef>
+                <a:spcPts val="500"/>
+              </a:spcBef>
+              <a:buFont typeface="Arial" panose="020B0604020202020204" pitchFamily="34" charset="0"/>
+              <a:buChar char="•"/>
+              <a:defRPr sz="1800" kern="1200">
+                <a:solidFill>
+                  <a:schemeClr val="dk1"/>
+                </a:solidFill>
+                <a:latin typeface="+mn-lt"/>
+                <a:ea typeface="+mn-ea"/>
+                <a:cs typeface="+mn-cs"/>
+              </a:defRPr>
+            </a:lvl9pPr>
+          </a:lstStyle>
           <a:p>
             <a:pPr marL="0" indent="0" algn="just">
               <a:buNone/>
@@ -6326,67 +6450,16 @@
               </a:solidFill>
             </a:endParaRPr>
           </a:p>
-        </p:txBody>
-      </p:sp>
-      <p:sp>
-        <p:nvSpPr>
-          <p:cNvPr id="4" name="Footer Placeholder 3">
-            <a:extLst>
-              <a:ext uri="{FF2B5EF4-FFF2-40B4-BE49-F238E27FC236}">
-                <a16:creationId xmlns:a16="http://schemas.microsoft.com/office/drawing/2014/main" id="{0F52C26F-25A8-28BB-1534-92999531C9BC}"/>
-              </a:ext>
-            </a:extLst>
-          </p:cNvPr>
-          <p:cNvSpPr>
-            <a:spLocks noGrp="1"/>
-          </p:cNvSpPr>
-          <p:nvPr>
-            <p:ph type="ftr" sz="quarter" idx="11"/>
-          </p:nvPr>
-        </p:nvSpPr>
-        <p:spPr/>
-        <p:txBody>
-          <a:bodyPr/>
-          <a:lstStyle/>
-          <a:p>
-            <a:r>
-              <a:rPr lang="en-US" sz="1600"/>
-              <a:t>Jupyter Notebook - Dátové typy</a:t>
-            </a:r>
-            <a:endParaRPr lang="en-US" sz="1600" dirty="0"/>
-          </a:p>
-        </p:txBody>
-      </p:sp>
-      <p:sp>
-        <p:nvSpPr>
-          <p:cNvPr id="5" name="Slide Number Placeholder 4">
-            <a:extLst>
-              <a:ext uri="{FF2B5EF4-FFF2-40B4-BE49-F238E27FC236}">
-                <a16:creationId xmlns:a16="http://schemas.microsoft.com/office/drawing/2014/main" id="{41DB6C08-99BC-B966-576A-6A411462D97F}"/>
-              </a:ext>
-            </a:extLst>
-          </p:cNvPr>
-          <p:cNvSpPr>
-            <a:spLocks noGrp="1"/>
-          </p:cNvSpPr>
-          <p:nvPr>
-            <p:ph type="sldNum" sz="quarter" idx="12"/>
-          </p:nvPr>
-        </p:nvSpPr>
-        <p:spPr/>
-        <p:txBody>
-          <a:bodyPr/>
-          <a:lstStyle/>
-          <a:p>
-            <a:fld id="{5057A19F-963B-4719-A2DE-D734F2967F92}" type="slidenum">
-              <a:rPr lang="en-US" sz="1600" smtClean="0"/>
-              <a:t>2</a:t>
-            </a:fld>
-            <a:r>
-              <a:rPr lang="sk-SK" sz="1600" dirty="0"/>
-              <a:t> /16</a:t>
-            </a:r>
-            <a:endParaRPr lang="en-US" sz="1600" dirty="0"/>
+          <a:p>
+            <a:pPr marL="0" indent="0" algn="just">
+              <a:buFont typeface="Arial" panose="020B0604020202020204" pitchFamily="34" charset="0"/>
+              <a:buNone/>
+            </a:pPr>
+            <a:endParaRPr lang="sk-SK" dirty="0">
+              <a:solidFill>
+                <a:srgbClr val="0070C0"/>
+              </a:solidFill>
+            </a:endParaRPr>
           </a:p>
         </p:txBody>
       </p:sp>
@@ -6560,12 +6633,71 @@
               <a:buNone/>
             </a:pPr>
             <a:r>
+              <a:rPr lang="en-US" dirty="0" err="1">
+                <a:solidFill>
+                  <a:srgbClr val="0070C0"/>
+                </a:solidFill>
+              </a:rPr>
+              <a:t>Jednoduché</a:t>
+            </a:r>
+            <a:r>
+              <a:rPr lang="en-US" dirty="0">
+                <a:solidFill>
+                  <a:srgbClr val="0070C0"/>
+                </a:solidFill>
+              </a:rPr>
+              <a:t> </a:t>
+            </a:r>
+            <a:r>
+              <a:rPr lang="en-US" dirty="0" err="1">
+                <a:solidFill>
+                  <a:srgbClr val="0070C0"/>
+                </a:solidFill>
+              </a:rPr>
+              <a:t>dátové</a:t>
+            </a:r>
+            <a:r>
+              <a:rPr lang="en-US" dirty="0">
+                <a:solidFill>
+                  <a:srgbClr val="0070C0"/>
+                </a:solidFill>
+              </a:rPr>
+              <a:t> </a:t>
+            </a:r>
+            <a:r>
+              <a:rPr lang="en-US" dirty="0" err="1">
+                <a:solidFill>
+                  <a:srgbClr val="0070C0"/>
+                </a:solidFill>
+              </a:rPr>
+              <a:t>typy</a:t>
+            </a:r>
+            <a:r>
+              <a:rPr lang="en-US" dirty="0">
+                <a:solidFill>
+                  <a:srgbClr val="0070C0"/>
+                </a:solidFill>
+              </a:rPr>
+              <a:t>:</a:t>
+            </a:r>
+          </a:p>
+          <a:p>
+            <a:pPr algn="just"/>
+            <a:r>
+              <a:rPr lang="sk-SK" b="1" dirty="0">
+                <a:solidFill>
+                  <a:srgbClr val="0070C0"/>
+                </a:solidFill>
+              </a:rPr>
+              <a:t>i</a:t>
+            </a:r>
+            <a:r>
               <a:rPr lang="en-US" b="1" dirty="0" err="1">
                 <a:solidFill>
                   <a:srgbClr val="0070C0"/>
                 </a:solidFill>
               </a:rPr>
-              <a:t>Jednoduché</a:t>
+              <a:t>nteger</a:t>
             </a:r>
             <a:r>
               <a:rPr lang="en-US" b="1" dirty="0">
@@ -6573,87 +6705,22 @@
                   <a:srgbClr val="0070C0"/>
                 </a:solidFill>
               </a:rPr>
-              <a:t> </a:t>
-            </a:r>
-            <a:r>
-              <a:rPr lang="en-US" b="1" dirty="0" err="1">
-                <a:solidFill>
-                  <a:srgbClr val="0070C0"/>
-                </a:solidFill>
-              </a:rPr>
-              <a:t>dátové</a:t>
-            </a:r>
+              <a:t>, float</a:t>
+            </a:r>
+          </a:p>
+          <a:p>
+            <a:pPr algn="just"/>
             <a:r>
               <a:rPr lang="en-US" b="1" dirty="0">
                 <a:solidFill>
                   <a:srgbClr val="0070C0"/>
                 </a:solidFill>
               </a:rPr>
-              <a:t> </a:t>
-            </a:r>
-            <a:r>
-              <a:rPr lang="en-US" b="1" dirty="0" err="1">
-                <a:solidFill>
-                  <a:srgbClr val="0070C0"/>
-                </a:solidFill>
-              </a:rPr>
-              <a:t>typy</a:t>
-            </a:r>
-            <a:r>
-              <a:rPr lang="en-US" b="1" dirty="0">
-                <a:solidFill>
-                  <a:srgbClr val="0070C0"/>
-                </a:solidFill>
-              </a:rPr>
-              <a:t>:</a:t>
-            </a:r>
-          </a:p>
-          <a:p>
-            <a:pPr marL="0" indent="0" algn="just">
-              <a:buNone/>
-            </a:pPr>
-            <a:r>
-              <a:rPr lang="sk-SK" b="1" dirty="0">
-                <a:solidFill>
-                  <a:srgbClr val="0070C0"/>
-                </a:solidFill>
-              </a:rPr>
-              <a:t>i</a:t>
-            </a:r>
-            <a:r>
-              <a:rPr lang="en-US" b="1" dirty="0" err="1">
-                <a:solidFill>
-                  <a:srgbClr val="0070C0"/>
-                </a:solidFill>
-              </a:rPr>
-              <a:t>nteger</a:t>
-            </a:r>
-            <a:r>
-              <a:rPr lang="en-US" b="1" dirty="0">
-                <a:solidFill>
-                  <a:srgbClr val="0070C0"/>
-                </a:solidFill>
-              </a:rPr>
-              <a:t>, float</a:t>
-            </a:r>
-          </a:p>
-          <a:p>
-            <a:pPr marL="0" indent="0" algn="just">
-              <a:buNone/>
-            </a:pPr>
-            <a:r>
-              <a:rPr lang="en-US" b="1" dirty="0">
-                <a:solidFill>
-                  <a:srgbClr val="0070C0"/>
-                </a:solidFill>
-              </a:rPr>
               <a:t>string</a:t>
             </a:r>
           </a:p>
           <a:p>
-            <a:pPr marL="0" indent="0" algn="just">
-              <a:buNone/>
-            </a:pPr>
+            <a:pPr algn="just"/>
             <a:r>
               <a:rPr lang="en-US" b="1" dirty="0" err="1">
                 <a:solidFill>
@@ -6726,7 +6793,7 @@
             </a:fld>
             <a:r>
               <a:rPr lang="sk-SK" sz="1600" dirty="0"/>
-              <a:t> /16</a:t>
+              <a:t> / 15</a:t>
             </a:r>
             <a:endParaRPr lang="en-US" sz="1600" dirty="0"/>
           </a:p>
@@ -7334,7 +7401,7 @@
             </a:fld>
             <a:r>
               <a:rPr lang="sk-SK" sz="1600" dirty="0"/>
-              <a:t> /16</a:t>
+              <a:t> / 15</a:t>
             </a:r>
           </a:p>
         </p:txBody>
@@ -8002,7 +8069,7 @@
             </a:fld>
             <a:r>
               <a:rPr lang="sk-SK" sz="1600" dirty="0"/>
-              <a:t> /16</a:t>
+              <a:t> / 15</a:t>
             </a:r>
             <a:endParaRPr lang="en-US" sz="1600" dirty="0"/>
           </a:p>
@@ -8126,8 +8193,8 @@
         </p:nvSpPr>
         <p:spPr>
           <a:xfrm>
-            <a:off x="838200" y="2488883"/>
-            <a:ext cx="10515600" cy="2692718"/>
+            <a:off x="838200" y="2098039"/>
+            <a:ext cx="10515600" cy="940117"/>
           </a:xfrm>
           <a:solidFill>
             <a:srgbClr val="A1E6ED"/>
@@ -8170,7 +8237,7 @@
         </p:style>
         <p:txBody>
           <a:bodyPr>
-            <a:normAutofit fontScale="92500" lnSpcReduction="20000"/>
+            <a:normAutofit/>
           </a:bodyPr>
           <a:lstStyle/>
           <a:p>
@@ -8237,7 +8304,23 @@
                   <a:srgbClr val="0070C0"/>
                 </a:solidFill>
               </a:rPr>
-              <a:t>, pred </a:t>
+              <a:t>, </a:t>
+            </a:r>
+            <a:r>
+              <a:rPr lang="sk-SK" dirty="0">
+                <a:solidFill>
+                  <a:srgbClr val="0070C0"/>
+                </a:solidFill>
+              </a:rPr>
+              <a:t>je potrebné dať </a:t>
+            </a:r>
+            <a:r>
+              <a:rPr lang="en-US" dirty="0">
+                <a:solidFill>
+                  <a:srgbClr val="0070C0"/>
+                </a:solidFill>
+              </a:rPr>
+              <a:t>pred </a:t>
             </a:r>
             <a:r>
               <a:rPr lang="en-US" dirty="0" err="1">
@@ -8248,23 +8331,7 @@
               <a:t>hodnotu</a:t>
             </a:r>
             <a:r>
-              <a:rPr lang="en-US" dirty="0">
-                <a:solidFill>
-                  <a:srgbClr val="0070C0"/>
-                </a:solidFill>
-              </a:rPr>
-              <a:t> </a:t>
-            </a:r>
-            <a:r>
-              <a:rPr lang="en-US" dirty="0" err="1">
-                <a:solidFill>
-                  <a:srgbClr val="0070C0"/>
-                </a:solidFill>
-              </a:rPr>
-              <a:t>dáme</a:t>
-            </a:r>
-            <a:r>
-              <a:rPr lang="en-US" dirty="0">
+              <a:rPr lang="sk-SK" dirty="0">
                 <a:solidFill>
                   <a:srgbClr val="0070C0"/>
                 </a:solidFill>
@@ -8365,66 +8432,6 @@
               </a:solidFill>
             </a:endParaRPr>
           </a:p>
-          <a:p>
-            <a:pPr algn="just"/>
-            <a:endParaRPr lang="sk-SK" dirty="0">
-              <a:solidFill>
-                <a:srgbClr val="0070C0"/>
-              </a:solidFill>
-            </a:endParaRPr>
-          </a:p>
-          <a:p>
-            <a:pPr marL="0" indent="0" algn="just">
-              <a:buNone/>
-            </a:pPr>
-            <a:r>
-              <a:rPr lang="en-US" b="1" dirty="0">
-                <a:solidFill>
-                  <a:srgbClr val="0070C0"/>
-                </a:solidFill>
-              </a:rPr>
-              <a:t>x = int(5)</a:t>
-            </a:r>
-          </a:p>
-          <a:p>
-            <a:pPr marL="0" indent="0" algn="just">
-              <a:buNone/>
-            </a:pPr>
-            <a:r>
-              <a:rPr lang="en-US" b="1" dirty="0">
-                <a:solidFill>
-                  <a:srgbClr val="0070C0"/>
-                </a:solidFill>
-              </a:rPr>
-              <a:t>y = float(5)</a:t>
-            </a:r>
-          </a:p>
-          <a:p>
-            <a:pPr marL="0" indent="0" algn="just">
-              <a:buNone/>
-            </a:pPr>
-            <a:r>
-              <a:rPr lang="en-US" b="1" dirty="0">
-                <a:solidFill>
-                  <a:srgbClr val="0070C0"/>
-                </a:solidFill>
-              </a:rPr>
-              <a:t>z = str(5)</a:t>
-            </a:r>
-          </a:p>
-          <a:p>
-            <a:pPr marL="0" indent="0" algn="just">
-              <a:buNone/>
-            </a:pPr>
-            <a:r>
-              <a:rPr lang="en-US" b="1" dirty="0">
-                <a:solidFill>
-                  <a:srgbClr val="0070C0"/>
-                </a:solidFill>
-              </a:rPr>
-              <a:t>print(x, y, z)</a:t>
-            </a:r>
-          </a:p>
         </p:txBody>
       </p:sp>
       <p:sp>
@@ -8483,9 +8490,294 @@
             </a:fld>
             <a:r>
               <a:rPr lang="sk-SK" sz="1600" dirty="0"/>
-              <a:t> /16</a:t>
+              <a:t> / 15</a:t>
             </a:r>
             <a:endParaRPr lang="en-US" sz="1600" dirty="0"/>
+          </a:p>
+        </p:txBody>
+      </p:sp>
+      <p:sp>
+        <p:nvSpPr>
+          <p:cNvPr id="6" name="Content Placeholder 2">
+            <a:extLst>
+              <a:ext uri="{FF2B5EF4-FFF2-40B4-BE49-F238E27FC236}">
+                <a16:creationId xmlns:a16="http://schemas.microsoft.com/office/drawing/2014/main" id="{023A1251-0C4D-8F33-A6AE-926CF631A62B}"/>
+              </a:ext>
+            </a:extLst>
+          </p:cNvPr>
+          <p:cNvSpPr txBox="1">
+            <a:spLocks/>
+          </p:cNvSpPr>
+          <p:nvPr/>
+        </p:nvSpPr>
+        <p:spPr>
+          <a:xfrm>
+            <a:off x="838200" y="3635216"/>
+            <a:ext cx="10515600" cy="1922304"/>
+          </a:xfrm>
+          <a:prstGeom prst="rect">
+            <a:avLst/>
+          </a:prstGeom>
+          <a:solidFill>
+            <a:srgbClr val="A1E6ED"/>
+          </a:solidFill>
+          <a:ln w="12700" cap="flat" cmpd="sng" algn="ctr">
+            <a:noFill/>
+            <a:prstDash val="solid"/>
+            <a:miter lim="800000"/>
+          </a:ln>
+          <a:effectLst>
+            <a:outerShdw blurRad="57785" dist="33020" dir="3180000" algn="ctr">
+              <a:srgbClr val="000000">
+                <a:alpha val="30000"/>
+              </a:srgbClr>
+            </a:outerShdw>
+          </a:effectLst>
+          <a:scene3d>
+            <a:camera prst="orthographicFront">
+              <a:rot lat="0" lon="0" rev="0"/>
+            </a:camera>
+            <a:lightRig rig="brightRoom" dir="t">
+              <a:rot lat="0" lon="0" rev="600000"/>
+            </a:lightRig>
+          </a:scene3d>
+          <a:sp3d prstMaterial="metal">
+            <a:bevelT w="38100" h="57150" prst="angle"/>
+          </a:sp3d>
+        </p:spPr>
+        <p:style>
+          <a:lnRef idx="2">
+            <a:schemeClr val="dk1"/>
+          </a:lnRef>
+          <a:fillRef idx="1">
+            <a:schemeClr val="lt1"/>
+          </a:fillRef>
+          <a:effectRef idx="0">
+            <a:schemeClr val="dk1"/>
+          </a:effectRef>
+          <a:fontRef idx="minor">
+            <a:schemeClr val="dk1"/>
+          </a:fontRef>
+        </p:style>
+        <p:txBody>
+          <a:bodyPr vert="horz" lIns="91440" tIns="45720" rIns="91440" bIns="45720" rtlCol="0">
+            <a:normAutofit lnSpcReduction="10000"/>
+          </a:bodyPr>
+          <a:lstStyle>
+            <a:lvl1pPr marL="228600" indent="-228600" algn="l" defTabSz="914400" rtl="0" eaLnBrk="1" latinLnBrk="0" hangingPunct="1">
+              <a:lnSpc>
+                <a:spcPct val="90000"/>
+              </a:lnSpc>
+              <a:spcBef>
+                <a:spcPts val="1000"/>
+              </a:spcBef>
+              <a:buFont typeface="Arial" panose="020B0604020202020204" pitchFamily="34" charset="0"/>
+              <a:buChar char="•"/>
+              <a:defRPr sz="2800" kern="1200">
+                <a:solidFill>
+                  <a:schemeClr val="dk1"/>
+                </a:solidFill>
+                <a:latin typeface="+mn-lt"/>
+                <a:ea typeface="+mn-ea"/>
+                <a:cs typeface="+mn-cs"/>
+              </a:defRPr>
+            </a:lvl1pPr>
+            <a:lvl2pPr marL="685800" indent="-228600" algn="l" defTabSz="914400" rtl="0" eaLnBrk="1" latinLnBrk="0" hangingPunct="1">
+              <a:lnSpc>
+                <a:spcPct val="90000"/>
+              </a:lnSpc>
+              <a:spcBef>
+                <a:spcPts val="500"/>
+              </a:spcBef>
+              <a:buFont typeface="Arial" panose="020B0604020202020204" pitchFamily="34" charset="0"/>
+              <a:buChar char="•"/>
+              <a:defRPr sz="2400" kern="1200">
+                <a:solidFill>
+                  <a:schemeClr val="dk1"/>
+                </a:solidFill>
+                <a:latin typeface="+mn-lt"/>
+                <a:ea typeface="+mn-ea"/>
+                <a:cs typeface="+mn-cs"/>
+              </a:defRPr>
+            </a:lvl2pPr>
+            <a:lvl3pPr marL="1143000" indent="-228600" algn="l" defTabSz="914400" rtl="0" eaLnBrk="1" latinLnBrk="0" hangingPunct="1">
+              <a:lnSpc>
+                <a:spcPct val="90000"/>
+              </a:lnSpc>
+              <a:spcBef>
+                <a:spcPts val="500"/>
+              </a:spcBef>
+              <a:buFont typeface="Arial" panose="020B0604020202020204" pitchFamily="34" charset="0"/>
+              <a:buChar char="•"/>
+              <a:defRPr sz="2000" kern="1200">
+                <a:solidFill>
+                  <a:schemeClr val="dk1"/>
+                </a:solidFill>
+                <a:latin typeface="+mn-lt"/>
+                <a:ea typeface="+mn-ea"/>
+                <a:cs typeface="+mn-cs"/>
+              </a:defRPr>
+            </a:lvl3pPr>
+            <a:lvl4pPr marL="1600200" indent="-228600" algn="l" defTabSz="914400" rtl="0" eaLnBrk="1" latinLnBrk="0" hangingPunct="1">
+              <a:lnSpc>
+                <a:spcPct val="90000"/>
+              </a:lnSpc>
+              <a:spcBef>
+                <a:spcPts val="500"/>
+              </a:spcBef>
+              <a:buFont typeface="Arial" panose="020B0604020202020204" pitchFamily="34" charset="0"/>
+              <a:buChar char="•"/>
+              <a:defRPr sz="1800" kern="1200">
+                <a:solidFill>
+                  <a:schemeClr val="dk1"/>
+                </a:solidFill>
+                <a:latin typeface="+mn-lt"/>
+                <a:ea typeface="+mn-ea"/>
+                <a:cs typeface="+mn-cs"/>
+              </a:defRPr>
+            </a:lvl4pPr>
+            <a:lvl5pPr marL="2057400" indent="-228600" algn="l" defTabSz="914400" rtl="0" eaLnBrk="1" latinLnBrk="0" hangingPunct="1">
+              <a:lnSpc>
+                <a:spcPct val="90000"/>
+              </a:lnSpc>
+              <a:spcBef>
+                <a:spcPts val="500"/>
+              </a:spcBef>
+              <a:buFont typeface="Arial" panose="020B0604020202020204" pitchFamily="34" charset="0"/>
+              <a:buChar char="•"/>
+              <a:defRPr sz="1800" kern="1200">
+                <a:solidFill>
+                  <a:schemeClr val="dk1"/>
+                </a:solidFill>
+                <a:latin typeface="+mn-lt"/>
+                <a:ea typeface="+mn-ea"/>
+                <a:cs typeface="+mn-cs"/>
+              </a:defRPr>
+            </a:lvl5pPr>
+            <a:lvl6pPr marL="2514600" indent="-228600" algn="l" defTabSz="914400" rtl="0" eaLnBrk="1" latinLnBrk="0" hangingPunct="1">
+              <a:lnSpc>
+                <a:spcPct val="90000"/>
+              </a:lnSpc>
+              <a:spcBef>
+                <a:spcPts val="500"/>
+              </a:spcBef>
+              <a:buFont typeface="Arial" panose="020B0604020202020204" pitchFamily="34" charset="0"/>
+              <a:buChar char="•"/>
+              <a:defRPr sz="1800" kern="1200">
+                <a:solidFill>
+                  <a:schemeClr val="dk1"/>
+                </a:solidFill>
+                <a:latin typeface="+mn-lt"/>
+                <a:ea typeface="+mn-ea"/>
+                <a:cs typeface="+mn-cs"/>
+              </a:defRPr>
+            </a:lvl6pPr>
+            <a:lvl7pPr marL="2971800" indent="-228600" algn="l" defTabSz="914400" rtl="0" eaLnBrk="1" latinLnBrk="0" hangingPunct="1">
+              <a:lnSpc>
+                <a:spcPct val="90000"/>
+              </a:lnSpc>
+              <a:spcBef>
+                <a:spcPts val="500"/>
+              </a:spcBef>
+              <a:buFont typeface="Arial" panose="020B0604020202020204" pitchFamily="34" charset="0"/>
+              <a:buChar char="•"/>
+              <a:defRPr sz="1800" kern="1200">
+                <a:solidFill>
+                  <a:schemeClr val="dk1"/>
+                </a:solidFill>
+                <a:latin typeface="+mn-lt"/>
+                <a:ea typeface="+mn-ea"/>
+                <a:cs typeface="+mn-cs"/>
+              </a:defRPr>
+            </a:lvl7pPr>
+            <a:lvl8pPr marL="3429000" indent="-228600" algn="l" defTabSz="914400" rtl="0" eaLnBrk="1" latinLnBrk="0" hangingPunct="1">
+              <a:lnSpc>
+                <a:spcPct val="90000"/>
+              </a:lnSpc>
+              <a:spcBef>
+                <a:spcPts val="500"/>
+              </a:spcBef>
+              <a:buFont typeface="Arial" panose="020B0604020202020204" pitchFamily="34" charset="0"/>
+              <a:buChar char="•"/>
+              <a:defRPr sz="1800" kern="1200">
+                <a:solidFill>
+                  <a:schemeClr val="dk1"/>
+                </a:solidFill>
+                <a:latin typeface="+mn-lt"/>
+                <a:ea typeface="+mn-ea"/>
+                <a:cs typeface="+mn-cs"/>
+              </a:defRPr>
+            </a:lvl8pPr>
+            <a:lvl9pPr marL="3886200" indent="-228600" algn="l" defTabSz="914400" rtl="0" eaLnBrk="1" latinLnBrk="0" hangingPunct="1">
+              <a:lnSpc>
+                <a:spcPct val="90000"/>
+              </a:lnSpc>
+              <a:spcBef>
+                <a:spcPts val="500"/>
+              </a:spcBef>
+              <a:buFont typeface="Arial" panose="020B0604020202020204" pitchFamily="34" charset="0"/>
+              <a:buChar char="•"/>
+              <a:defRPr sz="1800" kern="1200">
+                <a:solidFill>
+                  <a:schemeClr val="dk1"/>
+                </a:solidFill>
+                <a:latin typeface="+mn-lt"/>
+                <a:ea typeface="+mn-ea"/>
+                <a:cs typeface="+mn-cs"/>
+              </a:defRPr>
+            </a:lvl9pPr>
+          </a:lstStyle>
+          <a:p>
+            <a:pPr marL="0" indent="0" algn="just">
+              <a:buNone/>
+            </a:pPr>
+            <a:r>
+              <a:rPr lang="en-US" b="1" dirty="0">
+                <a:solidFill>
+                  <a:srgbClr val="0070C0"/>
+                </a:solidFill>
+              </a:rPr>
+              <a:t>x = int(5)</a:t>
+            </a:r>
+          </a:p>
+          <a:p>
+            <a:pPr marL="0" indent="0" algn="just">
+              <a:buNone/>
+            </a:pPr>
+            <a:r>
+              <a:rPr lang="en-US" b="1" dirty="0">
+                <a:solidFill>
+                  <a:srgbClr val="0070C0"/>
+                </a:solidFill>
+              </a:rPr>
+              <a:t>y = float(5)</a:t>
+            </a:r>
+          </a:p>
+          <a:p>
+            <a:pPr marL="0" indent="0" algn="just">
+              <a:buNone/>
+            </a:pPr>
+            <a:r>
+              <a:rPr lang="en-US" b="1" dirty="0">
+                <a:solidFill>
+                  <a:srgbClr val="0070C0"/>
+                </a:solidFill>
+              </a:rPr>
+              <a:t>z = str(5)</a:t>
+            </a:r>
+          </a:p>
+          <a:p>
+            <a:pPr marL="0" indent="0" algn="just">
+              <a:buNone/>
+            </a:pPr>
+            <a:r>
+              <a:rPr lang="en-US" b="1" dirty="0">
+                <a:solidFill>
+                  <a:srgbClr val="0070C0"/>
+                </a:solidFill>
+              </a:rPr>
+              <a:t>print(x, y, z)</a:t>
+            </a:r>
           </a:p>
         </p:txBody>
       </p:sp>
@@ -8653,7 +8945,7 @@
             </a:fld>
             <a:r>
               <a:rPr lang="sk-SK" sz="1600" dirty="0"/>
-              <a:t> /16</a:t>
+              <a:t> / 15</a:t>
             </a:r>
             <a:endParaRPr lang="en-US" sz="1600" dirty="0"/>
           </a:p>
@@ -8673,487 +8965,6 @@
 </file>
 
 <file path=ppt/slides/slide8.xml><?xml version="1.0" encoding="utf-8"?>
-<p:sld xmlns:a="http://schemas.openxmlformats.org/drawingml/2006/main" xmlns:r="http://schemas.openxmlformats.org/officeDocument/2006/relationships" xmlns:p="http://schemas.openxmlformats.org/presentationml/2006/main">
-  <p:cSld>
-    <p:bg>
-      <p:bgPr>
-        <a:solidFill>
-          <a:srgbClr val="A1E6ED"/>
-        </a:solidFill>
-        <a:effectLst/>
-      </p:bgPr>
-    </p:bg>
-    <p:spTree>
-      <p:nvGrpSpPr>
-        <p:cNvPr id="1" name=""/>
-        <p:cNvGrpSpPr/>
-        <p:nvPr/>
-      </p:nvGrpSpPr>
-      <p:grpSpPr>
-        <a:xfrm>
-          <a:off x="0" y="0"/>
-          <a:ext cx="0" cy="0"/>
-          <a:chOff x="0" y="0"/>
-          <a:chExt cx="0" cy="0"/>
-        </a:xfrm>
-      </p:grpSpPr>
-      <p:sp>
-        <p:nvSpPr>
-          <p:cNvPr id="2" name="Title 1">
-            <a:extLst>
-              <a:ext uri="{FF2B5EF4-FFF2-40B4-BE49-F238E27FC236}">
-                <a16:creationId xmlns:a16="http://schemas.microsoft.com/office/drawing/2014/main" id="{C5EF2B75-DD79-F125-CF39-C15DF5CA6E11}"/>
-              </a:ext>
-            </a:extLst>
-          </p:cNvPr>
-          <p:cNvSpPr>
-            <a:spLocks noGrp="1"/>
-          </p:cNvSpPr>
-          <p:nvPr>
-            <p:ph type="title"/>
-          </p:nvPr>
-        </p:nvSpPr>
-        <p:spPr/>
-        <p:txBody>
-          <a:bodyPr>
-            <a:normAutofit/>
-          </a:bodyPr>
-          <a:lstStyle/>
-          <a:p>
-            <a:pPr algn="ctr"/>
-            <a:r>
-              <a:rPr lang="sk-SK" sz="5400" b="1" dirty="0">
-                <a:ln w="22225">
-                  <a:solidFill>
-                    <a:schemeClr val="accent5">
-                      <a:lumMod val="75000"/>
-                    </a:schemeClr>
-                  </a:solidFill>
-                  <a:prstDash val="solid"/>
-                </a:ln>
-                <a:solidFill>
-                  <a:schemeClr val="accent5">
-                    <a:lumMod val="60000"/>
-                    <a:lumOff val="40000"/>
-                  </a:schemeClr>
-                </a:solidFill>
-              </a:rPr>
-              <a:t>Vysvetlenie pojmov – Dátové typy</a:t>
-            </a:r>
-            <a:endParaRPr lang="en-US" sz="5400" b="1" dirty="0">
-              <a:ln w="22225">
-                <a:solidFill>
-                  <a:schemeClr val="accent5">
-                    <a:lumMod val="75000"/>
-                  </a:schemeClr>
-                </a:solidFill>
-                <a:prstDash val="solid"/>
-              </a:ln>
-              <a:solidFill>
-                <a:schemeClr val="accent5">
-                  <a:lumMod val="60000"/>
-                  <a:lumOff val="40000"/>
-                </a:schemeClr>
-              </a:solidFill>
-            </a:endParaRPr>
-          </a:p>
-        </p:txBody>
-      </p:sp>
-      <p:sp>
-        <p:nvSpPr>
-          <p:cNvPr id="3" name="Content Placeholder 2">
-            <a:extLst>
-              <a:ext uri="{FF2B5EF4-FFF2-40B4-BE49-F238E27FC236}">
-                <a16:creationId xmlns:a16="http://schemas.microsoft.com/office/drawing/2014/main" id="{9556EEA3-1D45-DB6A-477F-139FD69D399B}"/>
-              </a:ext>
-            </a:extLst>
-          </p:cNvPr>
-          <p:cNvSpPr>
-            <a:spLocks noGrp="1"/>
-          </p:cNvSpPr>
-          <p:nvPr>
-            <p:ph idx="1"/>
-          </p:nvPr>
-        </p:nvSpPr>
-        <p:spPr>
-          <a:xfrm>
-            <a:off x="838200" y="2488883"/>
-            <a:ext cx="10515600" cy="2692718"/>
-          </a:xfrm>
-          <a:solidFill>
-            <a:srgbClr val="A1E6ED"/>
-          </a:solidFill>
-          <a:ln>
-            <a:noFill/>
-          </a:ln>
-          <a:effectLst>
-            <a:outerShdw blurRad="57785" dist="33020" dir="3180000" algn="ctr">
-              <a:srgbClr val="000000">
-                <a:alpha val="30000"/>
-              </a:srgbClr>
-            </a:outerShdw>
-          </a:effectLst>
-          <a:scene3d>
-            <a:camera prst="orthographicFront">
-              <a:rot lat="0" lon="0" rev="0"/>
-            </a:camera>
-            <a:lightRig rig="brightRoom" dir="t">
-              <a:rot lat="0" lon="0" rev="600000"/>
-            </a:lightRig>
-          </a:scene3d>
-          <a:sp3d prstMaterial="metal">
-            <a:bevelT w="38100" h="57150" prst="angle"/>
-          </a:sp3d>
-        </p:spPr>
-        <p:style>
-          <a:lnRef idx="2">
-            <a:schemeClr val="dk1"/>
-          </a:lnRef>
-          <a:fillRef idx="1">
-            <a:schemeClr val="lt1"/>
-          </a:fillRef>
-          <a:effectRef idx="0">
-            <a:schemeClr val="dk1"/>
-          </a:effectRef>
-          <a:fontRef idx="minor">
-            <a:schemeClr val="dk1"/>
-          </a:fontRef>
-        </p:style>
-        <p:txBody>
-          <a:bodyPr>
-            <a:normAutofit fontScale="92500" lnSpcReduction="20000"/>
-          </a:bodyPr>
-          <a:lstStyle/>
-          <a:p>
-            <a:pPr algn="just"/>
-            <a:r>
-              <a:rPr lang="sk-SK" dirty="0">
-                <a:solidFill>
-                  <a:srgbClr val="0070C0"/>
-                </a:solidFill>
-              </a:rPr>
-              <a:t>na zdôraznenie dátového typu</a:t>
-            </a:r>
-            <a:r>
-              <a:rPr lang="en-US" dirty="0">
-                <a:solidFill>
-                  <a:srgbClr val="0070C0"/>
-                </a:solidFill>
-              </a:rPr>
-              <a:t> o </a:t>
-            </a:r>
-            <a:r>
-              <a:rPr lang="en-US" dirty="0" err="1">
-                <a:solidFill>
-                  <a:srgbClr val="0070C0"/>
-                </a:solidFill>
-              </a:rPr>
-              <a:t>aký</a:t>
-            </a:r>
-            <a:r>
-              <a:rPr lang="en-US" dirty="0">
-                <a:solidFill>
-                  <a:srgbClr val="0070C0"/>
-                </a:solidFill>
-              </a:rPr>
-              <a:t> </a:t>
-            </a:r>
-            <a:r>
-              <a:rPr lang="en-US" dirty="0" err="1">
-                <a:solidFill>
-                  <a:srgbClr val="0070C0"/>
-                </a:solidFill>
-              </a:rPr>
-              <a:t>sa</a:t>
-            </a:r>
-            <a:r>
-              <a:rPr lang="en-US" dirty="0">
-                <a:solidFill>
-                  <a:srgbClr val="0070C0"/>
-                </a:solidFill>
-              </a:rPr>
-              <a:t> </a:t>
-            </a:r>
-            <a:r>
-              <a:rPr lang="en-US" dirty="0" err="1">
-                <a:solidFill>
-                  <a:srgbClr val="0070C0"/>
-                </a:solidFill>
-              </a:rPr>
-              <a:t>jedná</a:t>
-            </a:r>
-            <a:r>
-              <a:rPr lang="en-US" dirty="0">
-                <a:solidFill>
-                  <a:srgbClr val="0070C0"/>
-                </a:solidFill>
-              </a:rPr>
-              <a:t>, pred </a:t>
-            </a:r>
-            <a:r>
-              <a:rPr lang="en-US" dirty="0" err="1">
-                <a:solidFill>
-                  <a:srgbClr val="0070C0"/>
-                </a:solidFill>
-              </a:rPr>
-              <a:t>hodnotu</a:t>
-            </a:r>
-            <a:r>
-              <a:rPr lang="en-US" dirty="0">
-                <a:solidFill>
-                  <a:srgbClr val="0070C0"/>
-                </a:solidFill>
-              </a:rPr>
-              <a:t> </a:t>
-            </a:r>
-            <a:r>
-              <a:rPr lang="en-US" dirty="0" err="1">
-                <a:solidFill>
-                  <a:srgbClr val="0070C0"/>
-                </a:solidFill>
-              </a:rPr>
-              <a:t>dáme</a:t>
-            </a:r>
-            <a:r>
-              <a:rPr lang="en-US" dirty="0">
-                <a:solidFill>
-                  <a:srgbClr val="0070C0"/>
-                </a:solidFill>
-              </a:rPr>
-              <a:t> </a:t>
-            </a:r>
-            <a:r>
-              <a:rPr lang="en-US" dirty="0" err="1">
-                <a:solidFill>
-                  <a:srgbClr val="0070C0"/>
-                </a:solidFill>
-              </a:rPr>
-              <a:t>názov</a:t>
-            </a:r>
-            <a:r>
-              <a:rPr lang="en-US" dirty="0">
-                <a:solidFill>
-                  <a:srgbClr val="0070C0"/>
-                </a:solidFill>
-              </a:rPr>
-              <a:t> </a:t>
-            </a:r>
-            <a:r>
-              <a:rPr lang="en-US" dirty="0" err="1">
-                <a:solidFill>
-                  <a:srgbClr val="0070C0"/>
-                </a:solidFill>
-              </a:rPr>
-              <a:t>dátového</a:t>
-            </a:r>
-            <a:r>
-              <a:rPr lang="en-US" dirty="0">
-                <a:solidFill>
-                  <a:srgbClr val="0070C0"/>
-                </a:solidFill>
-              </a:rPr>
-              <a:t> </a:t>
-            </a:r>
-            <a:r>
-              <a:rPr lang="en-US" dirty="0" err="1">
-                <a:solidFill>
-                  <a:srgbClr val="0070C0"/>
-                </a:solidFill>
-              </a:rPr>
-              <a:t>typu</a:t>
-            </a:r>
-            <a:r>
-              <a:rPr lang="en-US" dirty="0">
-                <a:solidFill>
-                  <a:srgbClr val="0070C0"/>
-                </a:solidFill>
-              </a:rPr>
-              <a:t> a </a:t>
-            </a:r>
-            <a:r>
-              <a:rPr lang="en-US" dirty="0" err="1">
-                <a:solidFill>
-                  <a:srgbClr val="0070C0"/>
-                </a:solidFill>
-              </a:rPr>
-              <a:t>samotnú</a:t>
-            </a:r>
-            <a:r>
-              <a:rPr lang="en-US" dirty="0">
-                <a:solidFill>
-                  <a:srgbClr val="0070C0"/>
-                </a:solidFill>
-              </a:rPr>
-              <a:t> </a:t>
-            </a:r>
-            <a:r>
-              <a:rPr lang="en-US" dirty="0" err="1">
-                <a:solidFill>
-                  <a:srgbClr val="0070C0"/>
-                </a:solidFill>
-              </a:rPr>
-              <a:t>hodnotu</a:t>
-            </a:r>
-            <a:r>
-              <a:rPr lang="en-US" dirty="0">
-                <a:solidFill>
-                  <a:srgbClr val="0070C0"/>
-                </a:solidFill>
-              </a:rPr>
-              <a:t> do </a:t>
-            </a:r>
-            <a:r>
-              <a:rPr lang="en-US" dirty="0" err="1">
-                <a:solidFill>
-                  <a:srgbClr val="0070C0"/>
-                </a:solidFill>
-              </a:rPr>
-              <a:t>zátvoriek</a:t>
-            </a:r>
-            <a:endParaRPr lang="sk-SK" dirty="0">
-              <a:solidFill>
-                <a:srgbClr val="0070C0"/>
-              </a:solidFill>
-            </a:endParaRPr>
-          </a:p>
-          <a:p>
-            <a:pPr algn="just"/>
-            <a:endParaRPr lang="sk-SK" dirty="0">
-              <a:solidFill>
-                <a:srgbClr val="0070C0"/>
-              </a:solidFill>
-            </a:endParaRPr>
-          </a:p>
-          <a:p>
-            <a:pPr marL="0" indent="0" algn="just">
-              <a:buNone/>
-            </a:pPr>
-            <a:r>
-              <a:rPr lang="en-US" b="1" dirty="0">
-                <a:solidFill>
-                  <a:srgbClr val="0070C0"/>
-                </a:solidFill>
-              </a:rPr>
-              <a:t>x = int(5)</a:t>
-            </a:r>
-          </a:p>
-          <a:p>
-            <a:pPr marL="0" indent="0" algn="just">
-              <a:buNone/>
-            </a:pPr>
-            <a:r>
-              <a:rPr lang="en-US" b="1" dirty="0">
-                <a:solidFill>
-                  <a:srgbClr val="0070C0"/>
-                </a:solidFill>
-              </a:rPr>
-              <a:t>y = float(5)</a:t>
-            </a:r>
-          </a:p>
-          <a:p>
-            <a:pPr marL="0" indent="0" algn="just">
-              <a:buNone/>
-            </a:pPr>
-            <a:r>
-              <a:rPr lang="en-US" b="1" dirty="0">
-                <a:solidFill>
-                  <a:srgbClr val="0070C0"/>
-                </a:solidFill>
-              </a:rPr>
-              <a:t>z = str(5)</a:t>
-            </a:r>
-          </a:p>
-          <a:p>
-            <a:pPr marL="0" indent="0" algn="just">
-              <a:buNone/>
-            </a:pPr>
-            <a:r>
-              <a:rPr lang="en-US" b="1" dirty="0">
-                <a:solidFill>
-                  <a:srgbClr val="0070C0"/>
-                </a:solidFill>
-              </a:rPr>
-              <a:t>print(x, y, z)</a:t>
-            </a:r>
-          </a:p>
-        </p:txBody>
-      </p:sp>
-      <p:sp>
-        <p:nvSpPr>
-          <p:cNvPr id="4" name="Footer Placeholder 3">
-            <a:extLst>
-              <a:ext uri="{FF2B5EF4-FFF2-40B4-BE49-F238E27FC236}">
-                <a16:creationId xmlns:a16="http://schemas.microsoft.com/office/drawing/2014/main" id="{0F52C26F-25A8-28BB-1534-92999531C9BC}"/>
-              </a:ext>
-            </a:extLst>
-          </p:cNvPr>
-          <p:cNvSpPr>
-            <a:spLocks noGrp="1"/>
-          </p:cNvSpPr>
-          <p:nvPr>
-            <p:ph type="ftr" sz="quarter" idx="11"/>
-          </p:nvPr>
-        </p:nvSpPr>
-        <p:spPr/>
-        <p:txBody>
-          <a:bodyPr/>
-          <a:lstStyle/>
-          <a:p>
-            <a:r>
-              <a:rPr lang="en-US" sz="1600"/>
-              <a:t>Jupyter Notebook - Dátové typy</a:t>
-            </a:r>
-            <a:endParaRPr lang="en-US" sz="1600" dirty="0"/>
-          </a:p>
-        </p:txBody>
-      </p:sp>
-      <p:sp>
-        <p:nvSpPr>
-          <p:cNvPr id="5" name="Slide Number Placeholder 4">
-            <a:extLst>
-              <a:ext uri="{FF2B5EF4-FFF2-40B4-BE49-F238E27FC236}">
-                <a16:creationId xmlns:a16="http://schemas.microsoft.com/office/drawing/2014/main" id="{41DB6C08-99BC-B966-576A-6A411462D97F}"/>
-              </a:ext>
-            </a:extLst>
-          </p:cNvPr>
-          <p:cNvSpPr>
-            <a:spLocks noGrp="1"/>
-          </p:cNvSpPr>
-          <p:nvPr>
-            <p:ph type="sldNum" sz="quarter" idx="12"/>
-          </p:nvPr>
-        </p:nvSpPr>
-        <p:spPr/>
-        <p:txBody>
-          <a:bodyPr/>
-          <a:lstStyle/>
-          <a:p>
-            <a:fld id="{5057A19F-963B-4719-A2DE-D734F2967F92}" type="slidenum">
-              <a:rPr lang="en-US" sz="1600" smtClean="0"/>
-              <a:t>8</a:t>
-            </a:fld>
-            <a:r>
-              <a:rPr lang="sk-SK" sz="1600" dirty="0"/>
-              <a:t> /16</a:t>
-            </a:r>
-            <a:endParaRPr lang="en-US" sz="1600" dirty="0"/>
-          </a:p>
-        </p:txBody>
-      </p:sp>
-    </p:spTree>
-    <p:extLst>
-      <p:ext uri="{BB962C8B-B14F-4D97-AF65-F5344CB8AC3E}">
-        <p14:creationId xmlns:p14="http://schemas.microsoft.com/office/powerpoint/2010/main" val="4204193566"/>
-      </p:ext>
-    </p:extLst>
-  </p:cSld>
-  <p:clrMapOvr>
-    <a:masterClrMapping/>
-  </p:clrMapOvr>
-</p:sld>
-</file>
-
-<file path=ppt/slides/slide9.xml><?xml version="1.0" encoding="utf-8"?>
 <p:sld xmlns:a="http://schemas.openxmlformats.org/drawingml/2006/main" xmlns:r="http://schemas.openxmlformats.org/officeDocument/2006/relationships" xmlns:p="http://schemas.openxmlformats.org/presentationml/2006/main">
   <p:cSld>
     <p:bg>
@@ -9383,11 +9194,11 @@
           <a:p>
             <a:fld id="{5057A19F-963B-4719-A2DE-D734F2967F92}" type="slidenum">
               <a:rPr lang="en-US" sz="1600" smtClean="0"/>
-              <a:t>9</a:t>
+              <a:t>8</a:t>
             </a:fld>
             <a:r>
               <a:rPr lang="sk-SK" sz="1600" dirty="0"/>
-              <a:t> /16</a:t>
+              <a:t> / 15</a:t>
             </a:r>
             <a:endParaRPr lang="en-US" sz="1600" dirty="0"/>
           </a:p>
@@ -9409,7 +9220,7 @@
         </p:nvSpPr>
         <p:spPr>
           <a:xfrm>
-            <a:off x="838200" y="4343876"/>
+            <a:off x="838200" y="3985895"/>
             <a:ext cx="10515600" cy="1153160"/>
           </a:xfrm>
           <a:prstGeom prst="rect">
@@ -9661,6 +9472,176 @@
     <p:extLst>
       <p:ext uri="{BB962C8B-B14F-4D97-AF65-F5344CB8AC3E}">
         <p14:creationId xmlns:p14="http://schemas.microsoft.com/office/powerpoint/2010/main" val="1018663224"/>
+      </p:ext>
+    </p:extLst>
+  </p:cSld>
+  <p:clrMapOvr>
+    <a:masterClrMapping/>
+  </p:clrMapOvr>
+</p:sld>
+</file>
+
+<file path=ppt/slides/slide9.xml><?xml version="1.0" encoding="utf-8"?>
+<p:sld xmlns:a="http://schemas.openxmlformats.org/drawingml/2006/main" xmlns:r="http://schemas.openxmlformats.org/officeDocument/2006/relationships" xmlns:p="http://schemas.openxmlformats.org/presentationml/2006/main">
+  <p:cSld>
+    <p:bg>
+      <p:bgPr>
+        <a:solidFill>
+          <a:schemeClr val="accent6">
+            <a:lumMod val="40000"/>
+            <a:lumOff val="60000"/>
+          </a:schemeClr>
+        </a:solidFill>
+        <a:effectLst/>
+      </p:bgPr>
+    </p:bg>
+    <p:spTree>
+      <p:nvGrpSpPr>
+        <p:cNvPr id="1" name=""/>
+        <p:cNvGrpSpPr/>
+        <p:nvPr/>
+      </p:nvGrpSpPr>
+      <p:grpSpPr>
+        <a:xfrm>
+          <a:off x="0" y="0"/>
+          <a:ext cx="0" cy="0"/>
+          <a:chOff x="0" y="0"/>
+          <a:chExt cx="0" cy="0"/>
+        </a:xfrm>
+      </p:grpSpPr>
+      <p:sp>
+        <p:nvSpPr>
+          <p:cNvPr id="2" name="Title 1">
+            <a:extLst>
+              <a:ext uri="{FF2B5EF4-FFF2-40B4-BE49-F238E27FC236}">
+                <a16:creationId xmlns:a16="http://schemas.microsoft.com/office/drawing/2014/main" id="{C5EF2B75-DD79-F125-CF39-C15DF5CA6E11}"/>
+              </a:ext>
+            </a:extLst>
+          </p:cNvPr>
+          <p:cNvSpPr>
+            <a:spLocks noGrp="1"/>
+          </p:cNvSpPr>
+          <p:nvPr>
+            <p:ph type="title"/>
+          </p:nvPr>
+        </p:nvSpPr>
+        <p:spPr>
+          <a:xfrm>
+            <a:off x="838200" y="2766218"/>
+            <a:ext cx="10515600" cy="1325563"/>
+          </a:xfrm>
+        </p:spPr>
+        <p:txBody>
+          <a:bodyPr>
+            <a:normAutofit/>
+          </a:bodyPr>
+          <a:lstStyle/>
+          <a:p>
+            <a:pPr algn="ctr"/>
+            <a:r>
+              <a:rPr lang="sk-SK" sz="5400" b="1" dirty="0">
+                <a:ln w="22225">
+                  <a:solidFill>
+                    <a:schemeClr val="accent6">
+                      <a:lumMod val="75000"/>
+                    </a:schemeClr>
+                  </a:solidFill>
+                  <a:prstDash val="solid"/>
+                </a:ln>
+                <a:solidFill>
+                  <a:schemeClr val="accent6">
+                    <a:lumMod val="60000"/>
+                    <a:lumOff val="40000"/>
+                  </a:schemeClr>
+                </a:solidFill>
+              </a:rPr>
+              <a:t>Úlohy na precvičenie</a:t>
+            </a:r>
+            <a:endParaRPr lang="en-US" sz="5400" b="1" dirty="0">
+              <a:ln w="22225">
+                <a:solidFill>
+                  <a:schemeClr val="accent6">
+                    <a:lumMod val="75000"/>
+                  </a:schemeClr>
+                </a:solidFill>
+                <a:prstDash val="solid"/>
+              </a:ln>
+              <a:solidFill>
+                <a:schemeClr val="accent6">
+                  <a:lumMod val="60000"/>
+                  <a:lumOff val="40000"/>
+                </a:schemeClr>
+              </a:solidFill>
+            </a:endParaRPr>
+          </a:p>
+        </p:txBody>
+      </p:sp>
+      <p:sp>
+        <p:nvSpPr>
+          <p:cNvPr id="3" name="Footer Placeholder 2">
+            <a:extLst>
+              <a:ext uri="{FF2B5EF4-FFF2-40B4-BE49-F238E27FC236}">
+                <a16:creationId xmlns:a16="http://schemas.microsoft.com/office/drawing/2014/main" id="{89AC86AB-3608-0C2F-D6CD-5F9C03EFCDC1}"/>
+              </a:ext>
+            </a:extLst>
+          </p:cNvPr>
+          <p:cNvSpPr>
+            <a:spLocks noGrp="1"/>
+          </p:cNvSpPr>
+          <p:nvPr>
+            <p:ph type="ftr" sz="quarter" idx="11"/>
+          </p:nvPr>
+        </p:nvSpPr>
+        <p:spPr/>
+        <p:txBody>
+          <a:bodyPr/>
+          <a:lstStyle/>
+          <a:p>
+            <a:r>
+              <a:rPr lang="en-US" sz="1600"/>
+              <a:t>Jupyter Notebook - Dátové typy</a:t>
+            </a:r>
+            <a:endParaRPr lang="en-US" sz="1600" dirty="0"/>
+          </a:p>
+        </p:txBody>
+      </p:sp>
+      <p:sp>
+        <p:nvSpPr>
+          <p:cNvPr id="4" name="Slide Number Placeholder 3">
+            <a:extLst>
+              <a:ext uri="{FF2B5EF4-FFF2-40B4-BE49-F238E27FC236}">
+                <a16:creationId xmlns:a16="http://schemas.microsoft.com/office/drawing/2014/main" id="{4570FD4C-DC5B-15D2-6108-A6822A3EF7C3}"/>
+              </a:ext>
+            </a:extLst>
+          </p:cNvPr>
+          <p:cNvSpPr>
+            <a:spLocks noGrp="1"/>
+          </p:cNvSpPr>
+          <p:nvPr>
+            <p:ph type="sldNum" sz="quarter" idx="12"/>
+          </p:nvPr>
+        </p:nvSpPr>
+        <p:spPr/>
+        <p:txBody>
+          <a:bodyPr/>
+          <a:lstStyle/>
+          <a:p>
+            <a:fld id="{5057A19F-963B-4719-A2DE-D734F2967F92}" type="slidenum">
+              <a:rPr lang="en-US" sz="1600" smtClean="0"/>
+              <a:t>9</a:t>
+            </a:fld>
+            <a:r>
+              <a:rPr lang="sk-SK" sz="1600" dirty="0"/>
+              <a:t> / 15</a:t>
+            </a:r>
+            <a:endParaRPr lang="en-US" sz="1600" dirty="0"/>
+          </a:p>
+        </p:txBody>
+      </p:sp>
+    </p:spTree>
+    <p:extLst>
+      <p:ext uri="{BB962C8B-B14F-4D97-AF65-F5344CB8AC3E}">
+        <p14:creationId xmlns:p14="http://schemas.microsoft.com/office/powerpoint/2010/main" val="4123992563"/>
       </p:ext>
     </p:extLst>
   </p:cSld>
